--- a/UIUX요구분석-안종훈..pptx
+++ b/UIUX요구분석-안종훈..pptx
@@ -18,6 +18,7 @@
     <p:sldId id="266" r:id="rId12"/>
     <p:sldId id="267" r:id="rId13"/>
     <p:sldId id="268" r:id="rId14"/>
+    <p:sldId id="269" r:id="rId15"/>
   </p:sldIdLst>
   <p:sldSz cx="9144000" cy="6858000" type="screen4x3"/>
   <p:notesSz cx="6858000" cy="9144000"/>
@@ -3167,6 +3168,13 @@
   <p:clrMapOvr>
     <a:masterClrMapping/>
   </p:clrMapOvr>
+  <p:timing>
+    <p:tnLst>
+      <p:par>
+        <p:cTn id="1" dur="indefinite" restart="never" nodeType="tmRoot"/>
+      </p:par>
+    </p:tnLst>
+  </p:timing>
 </p:sld>
 </file>
 
@@ -3297,6 +3305,14 @@
           <a:bodyPr/>
           <a:lstStyle/>
           <a:p>
+            <a:r>
+              <a:rPr lang="en-US" altLang="ko-KR" dirty="0" err="1" smtClean="0"/>
+              <a:t>Powermockup</a:t>
+            </a:r>
+            <a:r>
+              <a:rPr lang="en-US" altLang="ko-KR" smtClean="0"/>
+              <a:t> </a:t>
+            </a:r>
             <a:endParaRPr lang="ko-KR" altLang="en-US"/>
           </a:p>
         </p:txBody>
@@ -3311,6 +3327,13 @@
   <p:clrMapOvr>
     <a:masterClrMapping/>
   </p:clrMapOvr>
+  <p:timing>
+    <p:tnLst>
+      <p:par>
+        <p:cTn id="1" dur="indefinite" restart="never" nodeType="tmRoot"/>
+      </p:par>
+    </p:tnLst>
+  </p:timing>
 </p:sld>
 </file>
 
@@ -3458,6 +3481,92 @@
 </p:sld>
 </file>
 
+<file path=ppt/slides/slide14.xml><?xml version="1.0" encoding="utf-8"?>
+<p:sld xmlns:a="http://schemas.openxmlformats.org/drawingml/2006/main" xmlns:r="http://schemas.openxmlformats.org/officeDocument/2006/relationships" xmlns:p="http://schemas.openxmlformats.org/presentationml/2006/main">
+  <p:cSld>
+    <p:spTree>
+      <p:nvGrpSpPr>
+        <p:cNvPr id="1" name=""/>
+        <p:cNvGrpSpPr/>
+        <p:nvPr/>
+      </p:nvGrpSpPr>
+      <p:grpSpPr>
+        <a:xfrm>
+          <a:off x="0" y="0"/>
+          <a:ext cx="0" cy="0"/>
+          <a:chOff x="0" y="0"/>
+          <a:chExt cx="0" cy="0"/>
+        </a:xfrm>
+      </p:grpSpPr>
+      <p:sp>
+        <p:nvSpPr>
+          <p:cNvPr id="2" name="제목 1"/>
+          <p:cNvSpPr>
+            <a:spLocks noGrp="1"/>
+          </p:cNvSpPr>
+          <p:nvPr>
+            <p:ph type="title"/>
+          </p:nvPr>
+        </p:nvSpPr>
+        <p:spPr/>
+        <p:txBody>
+          <a:bodyPr/>
+          <a:lstStyle/>
+          <a:p>
+            <a:endParaRPr lang="ko-KR" altLang="en-US"/>
+          </a:p>
+        </p:txBody>
+      </p:sp>
+      <p:sp>
+        <p:nvSpPr>
+          <p:cNvPr id="3" name="내용 개체 틀 2"/>
+          <p:cNvSpPr>
+            <a:spLocks noGrp="1"/>
+          </p:cNvSpPr>
+          <p:nvPr>
+            <p:ph idx="1"/>
+          </p:nvPr>
+        </p:nvSpPr>
+        <p:spPr>
+          <a:xfrm>
+            <a:off x="539552" y="1628800"/>
+            <a:ext cx="8229600" cy="4525963"/>
+          </a:xfrm>
+        </p:spPr>
+        <p:txBody>
+          <a:bodyPr/>
+          <a:lstStyle/>
+          <a:p>
+            <a:pPr marL="0" indent="0">
+              <a:buNone/>
+            </a:pPr>
+            <a:r>
+              <a:rPr lang="ko-KR" altLang="en-US" dirty="0" smtClean="0"/>
+              <a:t>벤치마킹 후 페르소나</a:t>
+            </a:r>
+            <a:endParaRPr lang="en-US" altLang="ko-KR" dirty="0" smtClean="0"/>
+          </a:p>
+          <a:p>
+            <a:pPr marL="0" indent="0">
+              <a:buNone/>
+            </a:pPr>
+            <a:endParaRPr lang="ko-KR" altLang="en-US" dirty="0"/>
+          </a:p>
+        </p:txBody>
+      </p:sp>
+    </p:spTree>
+    <p:extLst>
+      <p:ext uri="{BB962C8B-B14F-4D97-AF65-F5344CB8AC3E}">
+        <p14:creationId xmlns:p14="http://schemas.microsoft.com/office/powerpoint/2010/main" val="4238419768"/>
+      </p:ext>
+    </p:extLst>
+  </p:cSld>
+  <p:clrMapOvr>
+    <a:masterClrMapping/>
+  </p:clrMapOvr>
+</p:sld>
+</file>
+
 <file path=ppt/slides/slide2.xml><?xml version="1.0" encoding="utf-8"?>
 <p:sld xmlns:a="http://schemas.openxmlformats.org/drawingml/2006/main" xmlns:r="http://schemas.openxmlformats.org/officeDocument/2006/relationships" xmlns:p="http://schemas.openxmlformats.org/presentationml/2006/main">
   <p:cSld>
@@ -4068,7 +4177,15 @@
           <a:bodyPr/>
           <a:lstStyle/>
           <a:p>
-            <a:endParaRPr lang="ko-KR" altLang="en-US"/>
+            <a:r>
+              <a:rPr lang="en-US" altLang="ko-KR" dirty="0" smtClean="0"/>
+              <a:t>3</a:t>
+            </a:r>
+            <a:r>
+              <a:rPr lang="ko-KR" altLang="en-US" dirty="0" smtClean="0"/>
+              <a:t>레벨 이상 내려가지 말 것</a:t>
+            </a:r>
+            <a:endParaRPr lang="ko-KR" altLang="en-US" dirty="0"/>
           </a:p>
         </p:txBody>
       </p:sp>
